--- a/17. КМП.pptx
+++ b/17. КМП.pptx
@@ -311,7 +311,7 @@
           <a:p>
             <a:fld id="{5BCAD085-E8A6-8845-BD4E-CB4CCA059FC4}" type="datetimeFigureOut">
               <a:rPr lang="en-US" smtClean="0"/>
-              <a:t>11/15/2025</a:t>
+              <a:t>11/22/2025</a:t>
             </a:fld>
             <a:endParaRPr lang="en-US"/>
           </a:p>
@@ -479,7 +479,7 @@
           <a:p>
             <a:fld id="{5BCAD085-E8A6-8845-BD4E-CB4CCA059FC4}" type="datetimeFigureOut">
               <a:rPr lang="en-US" smtClean="0"/>
-              <a:t>11/15/2025</a:t>
+              <a:t>11/22/2025</a:t>
             </a:fld>
             <a:endParaRPr lang="en-US"/>
           </a:p>
@@ -657,7 +657,7 @@
           <a:p>
             <a:fld id="{5BCAD085-E8A6-8845-BD4E-CB4CCA059FC4}" type="datetimeFigureOut">
               <a:rPr lang="en-US" smtClean="0"/>
-              <a:t>11/15/2025</a:t>
+              <a:t>11/22/2025</a:t>
             </a:fld>
             <a:endParaRPr lang="en-US"/>
           </a:p>
@@ -825,7 +825,7 @@
           <a:p>
             <a:fld id="{5BCAD085-E8A6-8845-BD4E-CB4CCA059FC4}" type="datetimeFigureOut">
               <a:rPr lang="en-US" smtClean="0"/>
-              <a:t>11/15/2025</a:t>
+              <a:t>11/22/2025</a:t>
             </a:fld>
             <a:endParaRPr lang="en-US"/>
           </a:p>
@@ -1070,7 +1070,7 @@
           <a:p>
             <a:fld id="{5BCAD085-E8A6-8845-BD4E-CB4CCA059FC4}" type="datetimeFigureOut">
               <a:rPr lang="en-US" smtClean="0"/>
-              <a:t>11/15/2025</a:t>
+              <a:t>11/22/2025</a:t>
             </a:fld>
             <a:endParaRPr lang="en-US"/>
           </a:p>
@@ -1355,7 +1355,7 @@
           <a:p>
             <a:fld id="{5BCAD085-E8A6-8845-BD4E-CB4CCA059FC4}" type="datetimeFigureOut">
               <a:rPr lang="en-US" smtClean="0"/>
-              <a:t>11/15/2025</a:t>
+              <a:t>11/22/2025</a:t>
             </a:fld>
             <a:endParaRPr lang="en-US"/>
           </a:p>
@@ -1774,7 +1774,7 @@
           <a:p>
             <a:fld id="{5BCAD085-E8A6-8845-BD4E-CB4CCA059FC4}" type="datetimeFigureOut">
               <a:rPr lang="en-US" smtClean="0"/>
-              <a:t>11/15/2025</a:t>
+              <a:t>11/22/2025</a:t>
             </a:fld>
             <a:endParaRPr lang="en-US"/>
           </a:p>
@@ -1891,7 +1891,7 @@
           <a:p>
             <a:fld id="{5BCAD085-E8A6-8845-BD4E-CB4CCA059FC4}" type="datetimeFigureOut">
               <a:rPr lang="en-US" smtClean="0"/>
-              <a:t>11/15/2025</a:t>
+              <a:t>11/22/2025</a:t>
             </a:fld>
             <a:endParaRPr lang="en-US"/>
           </a:p>
@@ -1986,7 +1986,7 @@
           <a:p>
             <a:fld id="{5BCAD085-E8A6-8845-BD4E-CB4CCA059FC4}" type="datetimeFigureOut">
               <a:rPr lang="en-US" smtClean="0"/>
-              <a:t>11/15/2025</a:t>
+              <a:t>11/22/2025</a:t>
             </a:fld>
             <a:endParaRPr lang="en-US"/>
           </a:p>
@@ -2261,7 +2261,7 @@
           <a:p>
             <a:fld id="{5BCAD085-E8A6-8845-BD4E-CB4CCA059FC4}" type="datetimeFigureOut">
               <a:rPr lang="en-US" smtClean="0"/>
-              <a:t>11/15/2025</a:t>
+              <a:t>11/22/2025</a:t>
             </a:fld>
             <a:endParaRPr lang="en-US"/>
           </a:p>
@@ -2513,7 +2513,7 @@
           <a:p>
             <a:fld id="{5BCAD085-E8A6-8845-BD4E-CB4CCA059FC4}" type="datetimeFigureOut">
               <a:rPr lang="en-US" smtClean="0"/>
-              <a:t>11/15/2025</a:t>
+              <a:t>11/22/2025</a:t>
             </a:fld>
             <a:endParaRPr lang="en-US"/>
           </a:p>
@@ -2724,7 +2724,7 @@
           <a:p>
             <a:fld id="{5BCAD085-E8A6-8845-BD4E-CB4CCA059FC4}" type="datetimeFigureOut">
               <a:rPr lang="en-US" smtClean="0"/>
-              <a:t>11/15/2025</a:t>
+              <a:t>11/22/2025</a:t>
             </a:fld>
             <a:endParaRPr lang="en-US"/>
           </a:p>
@@ -4108,6 +4108,184 @@
           </a:p>
         </p:txBody>
       </p:sp>
+      <p:sp>
+        <p:nvSpPr>
+          <p:cNvPr id="3" name="TextBox 2">
+            <a:hlinkClick r:id="rId2"/>
+            <a:extLst>
+              <a:ext uri="{FF2B5EF4-FFF2-40B4-BE49-F238E27FC236}">
+                <a16:creationId xmlns:a16="http://schemas.microsoft.com/office/drawing/2014/main" id="{68E4575B-66D6-19D5-56A7-31E590E2EF95}"/>
+              </a:ext>
+            </a:extLst>
+          </p:cNvPr>
+          <p:cNvSpPr txBox="1"/>
+          <p:nvPr/>
+        </p:nvSpPr>
+        <p:spPr>
+          <a:xfrm>
+            <a:off x="8965345" y="443653"/>
+            <a:ext cx="4589290" cy="523220"/>
+          </a:xfrm>
+          <a:prstGeom prst="rect">
+            <a:avLst/>
+          </a:prstGeom>
+          <a:noFill/>
+        </p:spPr>
+        <p:txBody>
+          <a:bodyPr wrap="square">
+            <a:spAutoFit/>
+          </a:bodyPr>
+          <a:lstStyle/>
+          <a:p>
+            <a:pPr algn="l">
+              <a:defRPr sz="2800">
+                <a:solidFill>
+                  <a:srgbClr val="FFFFFF"/>
+                </a:solidFill>
+              </a:defRPr>
+            </a:pPr>
+            <a:r>
+              <a:rPr lang="de-DE" dirty="0">
+                <a:solidFill>
+                  <a:schemeClr val="tx1">
+                    <a:lumMod val="95000"/>
+                    <a:lumOff val="5000"/>
+                  </a:schemeClr>
+                </a:solidFill>
+                <a:hlinkClick r:id="rId3"/>
+              </a:rPr>
+              <a:t>1392. </a:t>
+            </a:r>
+            <a:r>
+              <a:rPr lang="de-DE" dirty="0" err="1">
+                <a:solidFill>
+                  <a:schemeClr val="tx1">
+                    <a:lumMod val="95000"/>
+                    <a:lumOff val="5000"/>
+                  </a:schemeClr>
+                </a:solidFill>
+                <a:hlinkClick r:id="rId3"/>
+              </a:rPr>
+              <a:t>Longest</a:t>
+            </a:r>
+            <a:r>
+              <a:rPr lang="de-DE" dirty="0">
+                <a:solidFill>
+                  <a:schemeClr val="tx1">
+                    <a:lumMod val="95000"/>
+                    <a:lumOff val="5000"/>
+                  </a:schemeClr>
+                </a:solidFill>
+                <a:hlinkClick r:id="rId3"/>
+              </a:rPr>
+              <a:t> Happy </a:t>
+            </a:r>
+            <a:r>
+              <a:rPr lang="de-DE" dirty="0" err="1">
+                <a:solidFill>
+                  <a:schemeClr val="tx1">
+                    <a:lumMod val="95000"/>
+                    <a:lumOff val="5000"/>
+                  </a:schemeClr>
+                </a:solidFill>
+                <a:hlinkClick r:id="rId3"/>
+              </a:rPr>
+              <a:t>Prefix</a:t>
+            </a:r>
+            <a:endParaRPr dirty="0">
+              <a:solidFill>
+                <a:schemeClr val="tx1">
+                  <a:lumMod val="95000"/>
+                  <a:lumOff val="5000"/>
+                </a:schemeClr>
+              </a:solidFill>
+            </a:endParaRPr>
+          </a:p>
+        </p:txBody>
+      </p:sp>
+      <p:sp>
+        <p:nvSpPr>
+          <p:cNvPr id="5" name="TextBox 4">
+            <a:hlinkClick r:id="rId2"/>
+            <a:extLst>
+              <a:ext uri="{FF2B5EF4-FFF2-40B4-BE49-F238E27FC236}">
+                <a16:creationId xmlns:a16="http://schemas.microsoft.com/office/drawing/2014/main" id="{23B98EBD-F1C5-5C13-B149-076F76447DC9}"/>
+              </a:ext>
+            </a:extLst>
+          </p:cNvPr>
+          <p:cNvSpPr txBox="1"/>
+          <p:nvPr/>
+        </p:nvSpPr>
+        <p:spPr>
+          <a:xfrm>
+            <a:off x="8965345" y="1038513"/>
+            <a:ext cx="4589290" cy="523220"/>
+          </a:xfrm>
+          <a:prstGeom prst="rect">
+            <a:avLst/>
+          </a:prstGeom>
+          <a:noFill/>
+        </p:spPr>
+        <p:txBody>
+          <a:bodyPr wrap="square">
+            <a:spAutoFit/>
+          </a:bodyPr>
+          <a:lstStyle/>
+          <a:p>
+            <a:pPr algn="l">
+              <a:defRPr sz="2800">
+                <a:solidFill>
+                  <a:srgbClr val="FFFFFF"/>
+                </a:solidFill>
+              </a:defRPr>
+            </a:pPr>
+            <a:r>
+              <a:rPr lang="de-DE" dirty="0">
+                <a:solidFill>
+                  <a:schemeClr val="tx1">
+                    <a:lumMod val="95000"/>
+                    <a:lumOff val="5000"/>
+                  </a:schemeClr>
+                </a:solidFill>
+                <a:hlinkClick r:id="rId4"/>
+              </a:rPr>
+              <a:t>214. </a:t>
+            </a:r>
+            <a:r>
+              <a:rPr lang="de-DE" dirty="0" err="1">
+                <a:solidFill>
+                  <a:schemeClr val="tx1">
+                    <a:lumMod val="95000"/>
+                    <a:lumOff val="5000"/>
+                  </a:schemeClr>
+                </a:solidFill>
+                <a:hlinkClick r:id="rId4"/>
+              </a:rPr>
+              <a:t>Shortest</a:t>
+            </a:r>
+            <a:r>
+              <a:rPr lang="de-DE" dirty="0">
+                <a:solidFill>
+                  <a:schemeClr val="tx1">
+                    <a:lumMod val="95000"/>
+                    <a:lumOff val="5000"/>
+                  </a:schemeClr>
+                </a:solidFill>
+                <a:hlinkClick r:id="rId4"/>
+              </a:rPr>
+              <a:t> Palindrome</a:t>
+            </a:r>
+            <a:endParaRPr dirty="0">
+              <a:solidFill>
+                <a:schemeClr val="tx1">
+                  <a:lumMod val="95000"/>
+                  <a:lumOff val="5000"/>
+                </a:schemeClr>
+              </a:solidFill>
+            </a:endParaRPr>
+          </a:p>
+        </p:txBody>
+      </p:sp>
     </p:spTree>
     <p:extLst>
       <p:ext uri="{BB962C8B-B14F-4D97-AF65-F5344CB8AC3E}">
